--- a/ML_fp/report.pptx
+++ b/ML_fp/report.pptx
@@ -4649,8 +4649,8 @@
         </p:nvSpPr>
         <p:spPr>
           <a:xfrm>
-            <a:off x="7380312" y="2204864"/>
-            <a:ext cx="1584176" cy="1384995"/>
+            <a:off x="7452320" y="1700808"/>
+            <a:ext cx="1584176" cy="4401205"/>
           </a:xfrm>
           <a:prstGeom prst="rect">
             <a:avLst/>
@@ -4665,7 +4665,11 @@
           <a:p>
             <a:r>
               <a:rPr lang="en-US" altLang="zh-TW" sz="2800" dirty="0" smtClean="0"/>
-              <a:t>There are 1352 samples</a:t>
+              <a:t>There are 1352 </a:t>
+            </a:r>
+            <a:r>
+              <a:rPr lang="en-US" altLang="zh-TW" sz="2800" dirty="0" smtClean="0"/>
+              <a:t>samples, others are in the final.csv and original.xlsx</a:t>
             </a:r>
             <a:endParaRPr lang="zh-TW" altLang="en-US" sz="2800" dirty="0"/>
           </a:p>
@@ -4912,8 +4916,8 @@
         </p:nvSpPr>
         <p:spPr>
           <a:xfrm>
-            <a:off x="7668345" y="2924944"/>
-            <a:ext cx="1037316" cy="1631216"/>
+            <a:off x="7740352" y="1700808"/>
+            <a:ext cx="1181333" cy="3416320"/>
           </a:xfrm>
           <a:prstGeom prst="rect">
             <a:avLst/>
@@ -4927,7 +4931,7 @@
           <a:lstStyle/>
           <a:p>
             <a:r>
-              <a:rPr lang="en-US" altLang="zh-TW" sz="2000" dirty="0" smtClean="0">
+              <a:rPr lang="en-US" altLang="zh-TW" sz="2400" dirty="0" smtClean="0">
                 <a:solidFill>
                   <a:schemeClr val="tx1">
                     <a:lumMod val="95000"/>
@@ -4935,9 +4939,20 @@
                   </a:schemeClr>
                 </a:solidFill>
               </a:rPr>
-              <a:t>Too many, just place four</a:t>
-            </a:r>
-            <a:endParaRPr lang="zh-TW" altLang="en-US" sz="2000" dirty="0">
+              <a:t>Too many, just place </a:t>
+            </a:r>
+            <a:r>
+              <a:rPr lang="en-US" altLang="zh-TW" sz="2400" dirty="0" smtClean="0">
+                <a:solidFill>
+                  <a:schemeClr val="tx1">
+                    <a:lumMod val="95000"/>
+                    <a:lumOff val="5000"/>
+                  </a:schemeClr>
+                </a:solidFill>
+              </a:rPr>
+              <a:t>four, others in the picture folder</a:t>
+            </a:r>
+            <a:endParaRPr lang="zh-TW" altLang="en-US" sz="2400" dirty="0">
               <a:solidFill>
                 <a:schemeClr val="tx1">
                   <a:lumMod val="95000"/>

--- a/ML_fp/report.pptx
+++ b/ML_fp/report.pptx
@@ -114,6 +114,22 @@
       </a:defRPr>
     </a:lvl9pPr>
   </p:defaultTextStyle>
+  <p:extLst>
+    <p:ext uri="{EFAFB233-063F-42B5-8137-9DF3F51BA10A}">
+      <p15:sldGuideLst xmlns:p15="http://schemas.microsoft.com/office/powerpoint/2012/main">
+        <p15:guide id="1" orient="horz" pos="2160">
+          <p15:clr>
+            <a:srgbClr val="A4A3A4"/>
+          </p15:clr>
+        </p15:guide>
+        <p15:guide id="2" pos="2880">
+          <p15:clr>
+            <a:srgbClr val="A4A3A4"/>
+          </p15:clr>
+        </p15:guide>
+      </p15:sldGuideLst>
+    </p:ext>
+  </p:extLst>
 </p:presentation>
 </file>
 
@@ -290,7 +306,7 @@
           <a:p>
             <a:fld id="{5BBEAD13-0566-4C6C-97E7-55F17F24B09F}" type="datetimeFigureOut">
               <a:rPr lang="zh-TW" altLang="en-US" smtClean="0"/>
-              <a:t>2019/12/17</a:t>
+              <a:t>2019/12/21</a:t>
             </a:fld>
             <a:endParaRPr lang="zh-TW" altLang="en-US"/>
           </a:p>
@@ -455,7 +471,7 @@
           <a:p>
             <a:fld id="{5BBEAD13-0566-4C6C-97E7-55F17F24B09F}" type="datetimeFigureOut">
               <a:rPr lang="zh-TW" altLang="en-US" smtClean="0"/>
-              <a:t>2019/12/17</a:t>
+              <a:t>2019/12/21</a:t>
             </a:fld>
             <a:endParaRPr lang="zh-TW" altLang="en-US"/>
           </a:p>
@@ -630,7 +646,7 @@
           <a:p>
             <a:fld id="{5BBEAD13-0566-4C6C-97E7-55F17F24B09F}" type="datetimeFigureOut">
               <a:rPr lang="zh-TW" altLang="en-US" smtClean="0"/>
-              <a:t>2019/12/17</a:t>
+              <a:t>2019/12/21</a:t>
             </a:fld>
             <a:endParaRPr lang="zh-TW" altLang="en-US"/>
           </a:p>
@@ -795,7 +811,7 @@
           <a:p>
             <a:fld id="{5BBEAD13-0566-4C6C-97E7-55F17F24B09F}" type="datetimeFigureOut">
               <a:rPr lang="zh-TW" altLang="en-US" smtClean="0"/>
-              <a:t>2019/12/17</a:t>
+              <a:t>2019/12/21</a:t>
             </a:fld>
             <a:endParaRPr lang="zh-TW" altLang="en-US"/>
           </a:p>
@@ -1037,7 +1053,7 @@
           <a:p>
             <a:fld id="{5BBEAD13-0566-4C6C-97E7-55F17F24B09F}" type="datetimeFigureOut">
               <a:rPr lang="zh-TW" altLang="en-US" smtClean="0"/>
-              <a:t>2019/12/17</a:t>
+              <a:t>2019/12/21</a:t>
             </a:fld>
             <a:endParaRPr lang="zh-TW" altLang="en-US"/>
           </a:p>
@@ -1301,7 +1317,7 @@
           <a:p>
             <a:fld id="{5BBEAD13-0566-4C6C-97E7-55F17F24B09F}" type="datetimeFigureOut">
               <a:rPr lang="zh-TW" altLang="en-US" smtClean="0"/>
-              <a:t>2019/12/17</a:t>
+              <a:t>2019/12/21</a:t>
             </a:fld>
             <a:endParaRPr lang="zh-TW" altLang="en-US"/>
           </a:p>
@@ -1679,7 +1695,7 @@
           <a:p>
             <a:fld id="{5BBEAD13-0566-4C6C-97E7-55F17F24B09F}" type="datetimeFigureOut">
               <a:rPr lang="zh-TW" altLang="en-US" smtClean="0"/>
-              <a:t>2019/12/17</a:t>
+              <a:t>2019/12/21</a:t>
             </a:fld>
             <a:endParaRPr lang="zh-TW" altLang="en-US"/>
           </a:p>
@@ -1829,7 +1845,7 @@
           <a:p>
             <a:fld id="{5BBEAD13-0566-4C6C-97E7-55F17F24B09F}" type="datetimeFigureOut">
               <a:rPr lang="zh-TW" altLang="en-US" smtClean="0"/>
-              <a:t>2019/12/17</a:t>
+              <a:t>2019/12/21</a:t>
             </a:fld>
             <a:endParaRPr lang="zh-TW" altLang="en-US"/>
           </a:p>
@@ -1919,7 +1935,7 @@
           <a:p>
             <a:fld id="{5BBEAD13-0566-4C6C-97E7-55F17F24B09F}" type="datetimeFigureOut">
               <a:rPr lang="zh-TW" altLang="en-US" smtClean="0"/>
-              <a:t>2019/12/17</a:t>
+              <a:t>2019/12/21</a:t>
             </a:fld>
             <a:endParaRPr lang="zh-TW" altLang="en-US"/>
           </a:p>
@@ -2180,7 +2196,7 @@
           <a:p>
             <a:fld id="{5BBEAD13-0566-4C6C-97E7-55F17F24B09F}" type="datetimeFigureOut">
               <a:rPr lang="zh-TW" altLang="en-US" smtClean="0"/>
-              <a:t>2019/12/17</a:t>
+              <a:t>2019/12/21</a:t>
             </a:fld>
             <a:endParaRPr lang="zh-TW" altLang="en-US"/>
           </a:p>
@@ -2468,7 +2484,7 @@
           <a:p>
             <a:fld id="{5BBEAD13-0566-4C6C-97E7-55F17F24B09F}" type="datetimeFigureOut">
               <a:rPr lang="zh-TW" altLang="en-US" smtClean="0"/>
-              <a:t>2019/12/17</a:t>
+              <a:t>2019/12/21</a:t>
             </a:fld>
             <a:endParaRPr lang="zh-TW" altLang="en-US"/>
           </a:p>
@@ -3239,7 +3255,7 @@
           <a:p>
             <a:fld id="{5BBEAD13-0566-4C6C-97E7-55F17F24B09F}" type="datetimeFigureOut">
               <a:rPr lang="zh-TW" altLang="en-US" smtClean="0"/>
-              <a:t>2019/12/17</a:t>
+              <a:t>2019/12/21</a:t>
             </a:fld>
             <a:endParaRPr lang="zh-TW" altLang="en-US"/>
           </a:p>
@@ -4159,7 +4175,12 @@
             <p:ph type="title"/>
           </p:nvPr>
         </p:nvSpPr>
-        <p:spPr/>
+        <p:spPr>
+          <a:xfrm>
+            <a:off x="502817" y="8136"/>
+            <a:ext cx="8229600" cy="1143000"/>
+          </a:xfrm>
+        </p:spPr>
         <p:txBody>
           <a:bodyPr/>
           <a:lstStyle/>
@@ -4197,7 +4218,7 @@
         </p:blipFill>
         <p:spPr>
           <a:xfrm>
-            <a:off x="0" y="1700808"/>
+            <a:off x="1331640" y="1076864"/>
             <a:ext cx="6571953" cy="4557880"/>
           </a:xfrm>
           <a:prstGeom prst="rect">
@@ -4213,8 +4234,8 @@
         </p:nvSpPr>
         <p:spPr>
           <a:xfrm>
-            <a:off x="6444208" y="1916832"/>
-            <a:ext cx="2232248" cy="3970318"/>
+            <a:off x="611560" y="5634744"/>
+            <a:ext cx="8212496" cy="1384995"/>
           </a:xfrm>
           <a:prstGeom prst="rect">
             <a:avLst/>
@@ -4229,7 +4250,15 @@
           <a:p>
             <a:r>
               <a:rPr lang="en-US" altLang="zh-TW" sz="2800" dirty="0"/>
-              <a:t>The ROC curve shows that tree is the worst one, and random forest and logistic are better.</a:t>
+              <a:t>The ROC curve shows </a:t>
+            </a:r>
+            <a:r>
+              <a:rPr lang="en-US" altLang="zh-TW" sz="2800" dirty="0" smtClean="0"/>
+              <a:t>that Decision tree </a:t>
+            </a:r>
+            <a:r>
+              <a:rPr lang="en-US" altLang="zh-TW" sz="2800" dirty="0"/>
+              <a:t>is the worst one, and random forest and logistic are better.</a:t>
             </a:r>
             <a:endParaRPr lang="zh-TW" altLang="zh-TW" sz="2800" dirty="0"/>
           </a:p>
@@ -4471,16 +4500,12 @@
           </a:p>
           <a:p>
             <a:r>
-              <a:rPr lang="en-US" altLang="zh-TW" dirty="0"/>
-              <a:t>C</a:t>
-            </a:r>
-            <a:r>
               <a:rPr lang="en-US" altLang="zh-TW" dirty="0" smtClean="0"/>
-              <a:t>ollect </a:t>
-            </a:r>
-            <a:r>
-              <a:rPr lang="en-US" altLang="zh-TW" dirty="0"/>
-              <a:t>the data by </a:t>
+              <a:t>We c</a:t>
+            </a:r>
+            <a:r>
+              <a:rPr lang="en-US" altLang="zh-TW" dirty="0" smtClean="0"/>
+              <a:t>ollect about 1300 samples from </a:t>
             </a:r>
             <a:r>
               <a:rPr lang="en-US" altLang="zh-TW" dirty="0" err="1"/>
@@ -4491,24 +4516,32 @@
               <a:t>, </a:t>
             </a:r>
             <a:r>
-              <a:rPr lang="en-US" altLang="zh-TW" dirty="0" err="1"/>
-              <a:t>baha</a:t>
+              <a:rPr lang="en-US" altLang="zh-TW" dirty="0" err="1" smtClean="0"/>
+              <a:t>Bahamut</a:t>
+            </a:r>
+            <a:r>
+              <a:rPr lang="en-US" altLang="zh-TW" dirty="0" smtClean="0"/>
+              <a:t>, Facebook users, </a:t>
             </a:r>
             <a:r>
               <a:rPr lang="en-US" altLang="zh-TW" dirty="0"/>
-              <a:t>, fb and so on, which contain 1300 samples</a:t>
+              <a:t>and so </a:t>
             </a:r>
             <a:r>
               <a:rPr lang="en-US" altLang="zh-TW" dirty="0" smtClean="0"/>
-              <a:t>. And we have some lottery to attract people to fill in </a:t>
+              <a:t>on. And we have</a:t>
+            </a:r>
+            <a:r>
+              <a:rPr lang="en-US" altLang="zh-TW" dirty="0" smtClean="0"/>
+              <a:t> some </a:t>
             </a:r>
             <a:r>
               <a:rPr lang="en-US" altLang="zh-TW" dirty="0"/>
-              <a:t>the </a:t>
+              <a:t>rewards for attracting people to fill in the questionnaire</a:t>
             </a:r>
             <a:r>
               <a:rPr lang="en-US" altLang="zh-TW" dirty="0" smtClean="0"/>
-              <a:t>questionnaire.</a:t>
+              <a:t>.</a:t>
             </a:r>
             <a:endParaRPr lang="zh-TW" altLang="en-US" dirty="0"/>
           </a:p>
@@ -4561,7 +4594,12 @@
             <p:ph type="title"/>
           </p:nvPr>
         </p:nvSpPr>
-        <p:spPr/>
+        <p:spPr>
+          <a:xfrm>
+            <a:off x="529208" y="-160008"/>
+            <a:ext cx="8229600" cy="1143000"/>
+          </a:xfrm>
+        </p:spPr>
         <p:txBody>
           <a:bodyPr/>
           <a:lstStyle/>
@@ -4600,7 +4638,7 @@
         </p:blipFill>
         <p:spPr bwMode="auto">
           <a:xfrm>
-            <a:off x="107504" y="1844824"/>
+            <a:off x="1007604" y="998545"/>
             <a:ext cx="7272808" cy="4248472"/>
           </a:xfrm>
           <a:prstGeom prst="rect">
@@ -4649,8 +4687,8 @@
         </p:nvSpPr>
         <p:spPr>
           <a:xfrm>
-            <a:off x="7452320" y="1700808"/>
-            <a:ext cx="1584176" cy="4401205"/>
+            <a:off x="622164" y="5373216"/>
+            <a:ext cx="8043688" cy="954107"/>
           </a:xfrm>
           <a:prstGeom prst="rect">
             <a:avLst/>
@@ -4665,11 +4703,7 @@
           <a:p>
             <a:r>
               <a:rPr lang="en-US" altLang="zh-TW" sz="2800" dirty="0" smtClean="0"/>
-              <a:t>There are 1352 </a:t>
-            </a:r>
-            <a:r>
-              <a:rPr lang="en-US" altLang="zh-TW" sz="2800" dirty="0" smtClean="0"/>
-              <a:t>samples, others are in the final.csv and original.xlsx</a:t>
+              <a:t>There are 1352 samples, others are in the final.csv and original.xlsx</a:t>
             </a:r>
             <a:endParaRPr lang="zh-TW" altLang="en-US" sz="2800" dirty="0"/>
           </a:p>
@@ -4767,7 +4801,7 @@
         </p:blipFill>
         <p:spPr bwMode="auto">
           <a:xfrm>
-            <a:off x="3779912" y="3688229"/>
+            <a:off x="3863569" y="3700985"/>
             <a:ext cx="4135589" cy="3101692"/>
           </a:xfrm>
           <a:prstGeom prst="rect">
@@ -4808,7 +4842,7 @@
         </p:blipFill>
         <p:spPr bwMode="auto">
           <a:xfrm>
-            <a:off x="263651" y="1399347"/>
+            <a:off x="179512" y="1196752"/>
             <a:ext cx="4104456" cy="3051194"/>
           </a:xfrm>
           <a:prstGeom prst="rect">
@@ -4834,7 +4868,7 @@
           </p:cNvPicPr>
           <p:nvPr/>
         </p:nvPicPr>
-        <p:blipFill>
+        <p:blipFill rotWithShape="1">
           <a:blip r:embed="rId4">
             <a:extLst>
               <a:ext uri="{28A0092B-C50C-407E-A947-70E740481C1C}">
@@ -4842,15 +4876,13 @@
               </a:ext>
             </a:extLst>
           </a:blip>
-          <a:srcRect/>
-          <a:stretch>
-            <a:fillRect/>
-          </a:stretch>
+          <a:srcRect b="12563"/>
+          <a:stretch/>
         </p:blipFill>
         <p:spPr bwMode="auto">
           <a:xfrm>
-            <a:off x="4067944" y="1268760"/>
-            <a:ext cx="3851694" cy="2889293"/>
+            <a:off x="3990073" y="1225487"/>
+            <a:ext cx="3851694" cy="2526329"/>
           </a:xfrm>
           <a:prstGeom prst="rect">
             <a:avLst/>
@@ -4890,7 +4922,7 @@
         </p:blipFill>
         <p:spPr bwMode="auto">
           <a:xfrm>
-            <a:off x="369979" y="4031922"/>
+            <a:off x="305770" y="3700985"/>
             <a:ext cx="3840686" cy="2881035"/>
           </a:xfrm>
           <a:prstGeom prst="rect">
@@ -4908,6 +4940,165 @@
           </a:extLst>
         </p:spPr>
       </p:pic>
+      <p:pic>
+        <p:nvPicPr>
+          <p:cNvPr id="8" name="Picture 10" descr="C:\Users\陳昱銘\Desktop\ML_fp\picture\hometown location.png"/>
+          <p:cNvPicPr>
+            <a:picLocks noChangeAspect="1" noChangeArrowheads="1"/>
+          </p:cNvPicPr>
+          <p:nvPr/>
+        </p:nvPicPr>
+        <p:blipFill>
+          <a:blip r:embed="rId2">
+            <a:extLst>
+              <a:ext uri="{28A0092B-C50C-407E-A947-70E740481C1C}">
+                <a14:useLocalDpi xmlns:a14="http://schemas.microsoft.com/office/drawing/2010/main" val="0"/>
+              </a:ext>
+            </a:extLst>
+          </a:blip>
+          <a:stretch>
+            <a:fillRect/>
+          </a:stretch>
+        </p:blipFill>
+        <p:spPr bwMode="auto">
+          <a:xfrm>
+            <a:off x="4373488" y="3555493"/>
+            <a:ext cx="4135589" cy="3101692"/>
+          </a:xfrm>
+          <a:prstGeom prst="rect">
+            <a:avLst/>
+          </a:prstGeom>
+          <a:noFill/>
+          <a:extLst>
+            <a:ext uri="{909E8E84-426E-40DD-AFC4-6F175D3DCCD1}">
+              <a14:hiddenFill xmlns:a14="http://schemas.microsoft.com/office/drawing/2010/main">
+                <a:solidFill>
+                  <a:srgbClr val="FFFFFF"/>
+                </a:solidFill>
+              </a14:hiddenFill>
+            </a:ext>
+          </a:extLst>
+        </p:spPr>
+      </p:pic>
+      <p:pic>
+        <p:nvPicPr>
+          <p:cNvPr id="9" name="Picture 4" descr="C:\Users\陳昱銘\Desktop\ML_fp\picture\back home frequency.png"/>
+          <p:cNvPicPr>
+            <a:picLocks noChangeAspect="1" noChangeArrowheads="1"/>
+          </p:cNvPicPr>
+          <p:nvPr/>
+        </p:nvPicPr>
+        <p:blipFill rotWithShape="1">
+          <a:blip r:embed="rId3">
+            <a:extLst>
+              <a:ext uri="{28A0092B-C50C-407E-A947-70E740481C1C}">
+                <a14:useLocalDpi xmlns:a14="http://schemas.microsoft.com/office/drawing/2010/main" val="0"/>
+              </a:ext>
+            </a:extLst>
+          </a:blip>
+          <a:srcRect t="4769"/>
+          <a:stretch/>
+        </p:blipFill>
+        <p:spPr bwMode="auto">
+          <a:xfrm>
+            <a:off x="689431" y="1196752"/>
+            <a:ext cx="4104456" cy="2905702"/>
+          </a:xfrm>
+          <a:prstGeom prst="rect">
+            <a:avLst/>
+          </a:prstGeom>
+          <a:noFill/>
+          <a:extLst>
+            <a:ext uri="{909E8E84-426E-40DD-AFC4-6F175D3DCCD1}">
+              <a14:hiddenFill xmlns:a14="http://schemas.microsoft.com/office/drawing/2010/main">
+                <a:solidFill>
+                  <a:srgbClr val="FFFFFF"/>
+                </a:solidFill>
+              </a14:hiddenFill>
+            </a:ext>
+          </a:extLst>
+        </p:spPr>
+      </p:pic>
+      <p:pic>
+        <p:nvPicPr>
+          <p:cNvPr id="10" name="Picture 8" descr="C:\Users\陳昱銘\Desktop\ML_fp\picture\financial situation(income).png"/>
+          <p:cNvPicPr>
+            <a:picLocks noChangeAspect="1" noChangeArrowheads="1"/>
+          </p:cNvPicPr>
+          <p:nvPr/>
+        </p:nvPicPr>
+        <p:blipFill rotWithShape="1">
+          <a:blip r:embed="rId4">
+            <a:extLst>
+              <a:ext uri="{28A0092B-C50C-407E-A947-70E740481C1C}">
+                <a14:useLocalDpi xmlns:a14="http://schemas.microsoft.com/office/drawing/2010/main" val="0"/>
+              </a:ext>
+            </a:extLst>
+          </a:blip>
+          <a:srcRect t="4041" b="12563"/>
+          <a:stretch/>
+        </p:blipFill>
+        <p:spPr bwMode="auto">
+          <a:xfrm>
+            <a:off x="4499992" y="1196752"/>
+            <a:ext cx="3851694" cy="2409572"/>
+          </a:xfrm>
+          <a:prstGeom prst="rect">
+            <a:avLst/>
+          </a:prstGeom>
+          <a:noFill/>
+          <a:extLst>
+            <a:ext uri="{909E8E84-426E-40DD-AFC4-6F175D3DCCD1}">
+              <a14:hiddenFill xmlns:a14="http://schemas.microsoft.com/office/drawing/2010/main">
+                <a:solidFill>
+                  <a:srgbClr val="FFFFFF"/>
+                </a:solidFill>
+              </a14:hiddenFill>
+            </a:ext>
+          </a:extLst>
+        </p:spPr>
+      </p:pic>
+      <p:pic>
+        <p:nvPicPr>
+          <p:cNvPr id="11" name="Picture 9" descr="C:\Users\陳昱銘\Desktop\ML_fp\picture\distance between the above two.png"/>
+          <p:cNvPicPr>
+            <a:picLocks noChangeAspect="1" noChangeArrowheads="1"/>
+          </p:cNvPicPr>
+          <p:nvPr/>
+        </p:nvPicPr>
+        <p:blipFill>
+          <a:blip r:embed="rId5">
+            <a:extLst>
+              <a:ext uri="{28A0092B-C50C-407E-A947-70E740481C1C}">
+                <a14:useLocalDpi xmlns:a14="http://schemas.microsoft.com/office/drawing/2010/main" val="0"/>
+              </a:ext>
+            </a:extLst>
+          </a:blip>
+          <a:srcRect/>
+          <a:stretch>
+            <a:fillRect/>
+          </a:stretch>
+        </p:blipFill>
+        <p:spPr bwMode="auto">
+          <a:xfrm>
+            <a:off x="815689" y="3555493"/>
+            <a:ext cx="3840686" cy="2881035"/>
+          </a:xfrm>
+          <a:prstGeom prst="rect">
+            <a:avLst/>
+          </a:prstGeom>
+          <a:noFill/>
+          <a:extLst>
+            <a:ext uri="{909E8E84-426E-40DD-AFC4-6F175D3DCCD1}">
+              <a14:hiddenFill xmlns:a14="http://schemas.microsoft.com/office/drawing/2010/main">
+                <a:solidFill>
+                  <a:srgbClr val="FFFFFF"/>
+                </a:solidFill>
+              </a14:hiddenFill>
+            </a:ext>
+          </a:extLst>
+        </p:spPr>
+      </p:pic>
       <p:sp>
         <p:nvSpPr>
           <p:cNvPr id="5" name="文字方塊 4"/>
@@ -4916,8 +5107,8 @@
         </p:nvSpPr>
         <p:spPr>
           <a:xfrm>
-            <a:off x="7740352" y="1700808"/>
-            <a:ext cx="1181333" cy="3416320"/>
+            <a:off x="600513" y="6027003"/>
+            <a:ext cx="7819646" cy="830997"/>
           </a:xfrm>
           <a:prstGeom prst="rect">
             <a:avLst/>
@@ -4950,7 +5141,51 @@
                   </a:schemeClr>
                 </a:solidFill>
               </a:rPr>
-              <a:t>four, others in the picture folder</a:t>
+              <a:t>four as representatives, </a:t>
+            </a:r>
+            <a:r>
+              <a:rPr lang="en-US" altLang="zh-TW" sz="2400" dirty="0" smtClean="0">
+                <a:solidFill>
+                  <a:schemeClr val="tx1">
+                    <a:lumMod val="95000"/>
+                    <a:lumOff val="5000"/>
+                  </a:schemeClr>
+                </a:solidFill>
+              </a:rPr>
+              <a:t>others </a:t>
+            </a:r>
+            <a:r>
+              <a:rPr lang="en-US" altLang="zh-TW" sz="2400" dirty="0" smtClean="0">
+                <a:solidFill>
+                  <a:schemeClr val="tx1">
+                    <a:lumMod val="95000"/>
+                    <a:lumOff val="5000"/>
+                  </a:schemeClr>
+                </a:solidFill>
+              </a:rPr>
+              <a:t>are in </a:t>
+            </a:r>
+            <a:r>
+              <a:rPr lang="en-US" altLang="zh-TW" sz="2400" dirty="0" smtClean="0">
+                <a:solidFill>
+                  <a:schemeClr val="tx1">
+                    <a:lumMod val="95000"/>
+                    <a:lumOff val="5000"/>
+                  </a:schemeClr>
+                </a:solidFill>
+              </a:rPr>
+              <a:t>the picture </a:t>
+            </a:r>
+            <a:r>
+              <a:rPr lang="en-US" altLang="zh-TW" sz="2400" dirty="0" smtClean="0">
+                <a:solidFill>
+                  <a:schemeClr val="tx1">
+                    <a:lumMod val="95000"/>
+                    <a:lumOff val="5000"/>
+                  </a:schemeClr>
+                </a:solidFill>
+              </a:rPr>
+              <a:t>folder.</a:t>
             </a:r>
             <a:endParaRPr lang="zh-TW" altLang="en-US" sz="2400" dirty="0">
               <a:solidFill>
@@ -5160,7 +5395,27 @@
             </a:r>
             <a:r>
               <a:rPr lang="en-US" altLang="zh-TW" dirty="0"/>
-              <a:t>the missing with mode. Then transform them to numeric data to fit in </a:t>
+              <a:t>the </a:t>
+            </a:r>
+            <a:r>
+              <a:rPr lang="en-US" altLang="zh-TW" dirty="0" err="1" smtClean="0"/>
+              <a:t>missings</a:t>
+            </a:r>
+            <a:r>
+              <a:rPr lang="en-US" altLang="zh-TW" dirty="0" smtClean="0"/>
+              <a:t> </a:t>
+            </a:r>
+            <a:r>
+              <a:rPr lang="en-US" altLang="zh-TW" dirty="0"/>
+              <a:t>with mode. Then transform them </a:t>
+            </a:r>
+            <a:r>
+              <a:rPr lang="en-US" altLang="zh-TW" dirty="0" smtClean="0"/>
+              <a:t>into </a:t>
+            </a:r>
+            <a:r>
+              <a:rPr lang="en-US" altLang="zh-TW" dirty="0"/>
+              <a:t>numeric data to fit in </a:t>
             </a:r>
             <a:r>
               <a:rPr lang="en-US" altLang="zh-TW" dirty="0" err="1"/>
@@ -5252,22 +5507,30 @@
             </a:r>
             <a:r>
               <a:rPr lang="en-US" altLang="zh-TW" dirty="0"/>
-              <a:t>, SVM, Logistic. We implement our model first, but the result is worse than </a:t>
-            </a:r>
-            <a:r>
-              <a:rPr lang="en-US" altLang="zh-TW" dirty="0" err="1"/>
+              <a:t>, SVM, </a:t>
+            </a:r>
+            <a:r>
+              <a:rPr lang="en-US" altLang="zh-TW" dirty="0" smtClean="0"/>
+              <a:t>and Logistic</a:t>
+            </a:r>
+            <a:r>
+              <a:rPr lang="en-US" altLang="zh-TW" dirty="0"/>
+              <a:t>. We implement our model first, but the result is worse than </a:t>
+            </a:r>
+            <a:r>
+              <a:rPr lang="en-US" altLang="zh-TW" dirty="0" err="1" smtClean="0"/>
               <a:t>sklearn</a:t>
             </a:r>
             <a:r>
-              <a:rPr lang="en-US" altLang="zh-TW" dirty="0"/>
-              <a:t>, so choose the </a:t>
-            </a:r>
-            <a:r>
-              <a:rPr lang="en-US" altLang="zh-TW" dirty="0" err="1"/>
+              <a:rPr lang="en-US" altLang="zh-TW" dirty="0" smtClean="0"/>
+              <a:t>. Therefore, we choose to use </a:t>
+            </a:r>
+            <a:r>
+              <a:rPr lang="en-US" altLang="zh-TW" dirty="0" err="1" smtClean="0"/>
               <a:t>sklearn</a:t>
             </a:r>
             <a:r>
-              <a:rPr lang="en-US" altLang="zh-TW" dirty="0"/>
+              <a:rPr lang="en-US" altLang="zh-TW" dirty="0" smtClean="0"/>
               <a:t>.</a:t>
             </a:r>
             <a:endParaRPr lang="zh-TW" altLang="en-US" dirty="0"/>
@@ -5364,8 +5627,8 @@
         </p:blipFill>
         <p:spPr>
           <a:xfrm>
-            <a:off x="1619672" y="1556792"/>
-            <a:ext cx="6096224" cy="4495800"/>
+            <a:off x="1089956" y="1556792"/>
+            <a:ext cx="6840760" cy="5040560"/>
           </a:xfrm>
           <a:prstGeom prst="rect">
             <a:avLst/>
@@ -5460,7 +5723,7 @@
         </p:blipFill>
         <p:spPr>
           <a:xfrm>
-            <a:off x="612775" y="1750602"/>
+            <a:off x="766527" y="2060848"/>
             <a:ext cx="7631633" cy="3838638"/>
           </a:xfrm>
           <a:prstGeom prst="rect">
